--- a/Presentation_and_informational_files/Project_4 Presentation_v1.pptx
+++ b/Presentation_and_informational_files/Project_4 Presentation_v1.pptx
@@ -11378,8 +11378,8 @@
         </p:nvSpPr>
         <p:spPr>
           <a:xfrm>
-            <a:off x="0" y="4216602"/>
-            <a:ext cx="12118428" cy="2246769"/>
+            <a:off x="0" y="3891524"/>
+            <a:ext cx="12118428" cy="2677656"/>
           </a:xfrm>
           <a:prstGeom prst="rect">
             <a:avLst/>
@@ -11398,7 +11398,28 @@
             </a:pPr>
             <a:r>
               <a:rPr lang="en-US" sz="1400" dirty="0"/>
-              <a:t>Random Forest with  numerical values (as opposed to dummy values) produced the highest average accuracy score of 93.91%. The lowest average accuracy score was the Deep Learning model that used dummy values at 27.55%. </a:t>
+              <a:t>Random Forest with  numerical values (as opposed to dummy values) produced the highest average accuracy score of 93.91%. </a:t>
+            </a:r>
+          </a:p>
+          <a:p>
+            <a:pPr marL="285750" indent="-285750">
+              <a:buFont typeface="Arial" panose="020B0604020202020204" pitchFamily="34" charset="0"/>
+              <a:buChar char="•"/>
+            </a:pPr>
+            <a:endParaRPr lang="en-US" sz="1400"/>
+          </a:p>
+          <a:p>
+            <a:pPr marL="285750" indent="-285750">
+              <a:buFont typeface="Arial" panose="020B0604020202020204" pitchFamily="34" charset="0"/>
+              <a:buChar char="•"/>
+            </a:pPr>
+            <a:r>
+              <a:rPr lang="en-US" sz="1400"/>
+              <a:t>The </a:t>
+            </a:r>
+            <a:r>
+              <a:rPr lang="en-US" sz="1400" dirty="0"/>
+              <a:t>lowest average accuracy score was the Deep Learning model that used dummy values at 27.55%. This approach with Deep Learning was made before the second attempt with numerical values.</a:t>
             </a:r>
           </a:p>
           <a:p>
@@ -13193,12 +13214,12 @@
                     <a:p>
                       <a:pPr algn="l" fontAlgn="b"/>
                       <a:r>
-                        <a:rPr lang="en-US" sz="1200" u="none" strike="noStrike">
+                        <a:rPr lang="en-US" sz="1200" u="none" strike="noStrike" dirty="0">
                           <a:effectLst/>
                         </a:rPr>
                         <a:t> </a:t>
                       </a:r>
-                      <a:endParaRPr lang="en-US" sz="1200" b="0" i="0" u="none" strike="noStrike">
+                      <a:endParaRPr lang="en-US" sz="1200" b="0" i="0" u="none" strike="noStrike" dirty="0">
                         <a:solidFill>
                           <a:srgbClr val="000000"/>
                         </a:solidFill>

--- a/Presentation_and_informational_files/Project_4 Presentation_v1.pptx
+++ b/Presentation_and_informational_files/Project_4 Presentation_v1.pptx
@@ -11406,7 +11406,7 @@
               <a:buFont typeface="Arial" panose="020B0604020202020204" pitchFamily="34" charset="0"/>
               <a:buChar char="•"/>
             </a:pPr>
-            <a:endParaRPr lang="en-US" sz="1400"/>
+            <a:endParaRPr lang="en-US" sz="1400" dirty="0"/>
           </a:p>
           <a:p>
             <a:pPr marL="285750" indent="-285750">
@@ -11414,12 +11414,8 @@
               <a:buChar char="•"/>
             </a:pPr>
             <a:r>
-              <a:rPr lang="en-US" sz="1400"/>
-              <a:t>The </a:t>
-            </a:r>
-            <a:r>
               <a:rPr lang="en-US" sz="1400" dirty="0"/>
-              <a:t>lowest average accuracy score was the Deep Learning model that used dummy values at 27.55%. This approach with Deep Learning was made before the second attempt with numerical values.</a:t>
+              <a:t>The lowest average accuracy score was the Deep Learning model that used dummy values at 27.55%. This approach with Deep Learning was made before the second attempt with numerical values.</a:t>
             </a:r>
           </a:p>
           <a:p>
